--- a/presentation.pptx
+++ b/presentation.pptx
@@ -7934,18 +7934,18 @@
         </p:nvSpPr>
         <p:spPr>
           <a:xfrm>
-            <a:off x="550864" y="3965937"/>
-            <a:ext cx="3565525" cy="1731656"/>
+            <a:off x="325472" y="4061567"/>
+            <a:ext cx="3899056" cy="1967762"/>
           </a:xfrm>
         </p:spPr>
         <p:txBody>
           <a:bodyPr>
-            <a:normAutofit fontScale="85000" lnSpcReduction="10000"/>
+            <a:normAutofit fontScale="92500"/>
           </a:bodyPr>
           <a:lstStyle/>
           <a:p>
             <a:r>
-              <a:rPr lang="en-US" sz="2000" dirty="0">
+              <a:rPr lang="en-US" sz="2100" dirty="0">
                 <a:solidFill>
                   <a:schemeClr val="tx1">
                     <a:alpha val="60000"/>
@@ -7955,7 +7955,7 @@
               <a:t>Round-Robin </a:t>
             </a:r>
             <a:r>
-              <a:rPr lang="el-GR" sz="2000" dirty="0">
+              <a:rPr lang="el-GR" sz="2100" dirty="0">
                 <a:solidFill>
                   <a:schemeClr val="tx1">
                     <a:alpha val="60000"/>
@@ -7965,7 +7965,7 @@
               <a:t>και </a:t>
             </a:r>
             <a:r>
-              <a:rPr lang="en-US" sz="2000" dirty="0">
+              <a:rPr lang="en-US" sz="2100" dirty="0">
                 <a:solidFill>
                   <a:schemeClr val="tx1">
                     <a:alpha val="60000"/>
@@ -7974,6 +7974,15 @@
               </a:rPr>
               <a:t>Proportional Fair</a:t>
             </a:r>
+            <a:endParaRPr lang="el-GR" sz="2100" dirty="0">
+              <a:solidFill>
+                <a:schemeClr val="tx1">
+                  <a:alpha val="60000"/>
+                </a:schemeClr>
+              </a:solidFill>
+            </a:endParaRPr>
+          </a:p>
+          <a:p>
             <a:endParaRPr lang="el-GR" sz="2000" dirty="0">
               <a:solidFill>
                 <a:schemeClr val="tx1">
@@ -7983,44 +7992,65 @@
             </a:endParaRPr>
           </a:p>
           <a:p>
-            <a:endParaRPr lang="el-GR" sz="2000" dirty="0">
+            <a:r>
+              <a:rPr lang="el-GR" sz="2100" dirty="0">
+                <a:solidFill>
+                  <a:schemeClr val="tx1">
+                    <a:alpha val="60000"/>
+                  </a:schemeClr>
+                </a:solidFill>
+                <a:latin typeface="Arial" panose="020B0604020202020204" pitchFamily="34" charset="0"/>
+                <a:cs typeface="Arial" panose="020B0604020202020204" pitchFamily="34" charset="0"/>
+              </a:rPr>
+              <a:t>ΔΑΜΙΑΝΟΣ ΔΙΑΣΑΚΟΣ</a:t>
+            </a:r>
+            <a:r>
+              <a:rPr lang="en-US" sz="2100" dirty="0">
+                <a:solidFill>
+                  <a:schemeClr val="tx1">
+                    <a:alpha val="60000"/>
+                  </a:schemeClr>
+                </a:solidFill>
+                <a:latin typeface="Arial" panose="020B0604020202020204" pitchFamily="34" charset="0"/>
+                <a:cs typeface="Arial" panose="020B0604020202020204" pitchFamily="34" charset="0"/>
+              </a:rPr>
+              <a:t> 1084632</a:t>
+            </a:r>
+            <a:endParaRPr lang="el-GR" sz="2100" dirty="0">
               <a:solidFill>
                 <a:schemeClr val="tx1">
                   <a:alpha val="60000"/>
                 </a:schemeClr>
               </a:solidFill>
+              <a:latin typeface="Arial" panose="020B0604020202020204" pitchFamily="34" charset="0"/>
+              <a:cs typeface="Arial" panose="020B0604020202020204" pitchFamily="34" charset="0"/>
             </a:endParaRPr>
           </a:p>
           <a:p>
             <a:r>
-              <a:rPr lang="el-GR" sz="2000" dirty="0">
+              <a:rPr lang="el-GR" sz="2100" dirty="0">
                 <a:solidFill>
                   <a:schemeClr val="tx1">
                     <a:alpha val="60000"/>
                   </a:schemeClr>
                 </a:solidFill>
-              </a:rPr>
-              <a:t>ΔΑΜΙΑΝΟΣ ΔΙΑΣΑΚΟΣ</a:t>
-            </a:r>
-          </a:p>
-          <a:p>
-            <a:r>
-              <a:rPr lang="el-GR" sz="2000" dirty="0">
+                <a:latin typeface="Arial" panose="020B0604020202020204" pitchFamily="34" charset="0"/>
+                <a:cs typeface="Arial" panose="020B0604020202020204" pitchFamily="34" charset="0"/>
+              </a:rPr>
+              <a:t>ΣΠΥΡΙΔΩΝ ΖΗΚΟΣ</a:t>
+            </a:r>
+            <a:r>
+              <a:rPr lang="en-US" sz="2100" dirty="0">
                 <a:solidFill>
                   <a:schemeClr val="tx1">
                     <a:alpha val="60000"/>
                   </a:schemeClr>
                 </a:solidFill>
-              </a:rPr>
-              <a:t>ΣΠΥΡΙΔΩΝ </a:t>
-            </a:r>
-            <a:endParaRPr lang="en-US" sz="2000" dirty="0">
-              <a:solidFill>
-                <a:schemeClr val="tx1">
-                  <a:alpha val="60000"/>
-                </a:schemeClr>
-              </a:solidFill>
-            </a:endParaRPr>
+                <a:latin typeface="Arial" panose="020B0604020202020204" pitchFamily="34" charset="0"/>
+                <a:cs typeface="Arial" panose="020B0604020202020204" pitchFamily="34" charset="0"/>
+              </a:rPr>
+              <a:t> 1084581</a:t>
+            </a:r>
           </a:p>
         </p:txBody>
       </p:sp>
@@ -8861,16 +8891,13 @@
               </a:rPr>
               <a:t>:</a:t>
             </a:r>
-            <a:endParaRPr lang="en-US" b="1" dirty="0">
+          </a:p>
+          <a:p>
+            <a:endParaRPr lang="el-GR" b="1" dirty="0">
               <a:latin typeface="Arial Black" panose="020B0A04020102020204" pitchFamily="34" charset="0"/>
             </a:endParaRPr>
           </a:p>
           <a:p>
-            <a:pPr lvl="1"/>
-            <a:endParaRPr lang="en-US" dirty="0"/>
-          </a:p>
-          <a:p>
-            <a:pPr lvl="1"/>
             <a:r>
               <a:rPr lang="el-GR" dirty="0"/>
               <a:t>Πλεονεκτήματα:</a:t>
@@ -8897,14 +8924,10 @@
             </a:r>
           </a:p>
           <a:p>
-            <a:pPr marL="742950" lvl="1" indent="-285750">
-              <a:buFont typeface="Arial" panose="020B0604020202020204" pitchFamily="34" charset="0"/>
-              <a:buChar char="•"/>
-            </a:pPr>
+            <a:pPr lvl="1"/>
             <a:endParaRPr lang="el-GR" dirty="0"/>
           </a:p>
           <a:p>
-            <a:pPr lvl="1"/>
             <a:r>
               <a:rPr lang="el-GR" dirty="0"/>
               <a:t>Μειονεκτήματα:</a:t>
@@ -8981,7 +9004,7 @@
         <p:spPr>
           <a:xfrm>
             <a:off x="6096000" y="1618496"/>
-            <a:ext cx="6096000" cy="4524315"/>
+            <a:ext cx="6096000" cy="3693319"/>
           </a:xfrm>
           <a:prstGeom prst="rect">
             <a:avLst/>
@@ -9023,10 +9046,11 @@
             </a:endParaRPr>
           </a:p>
           <a:p>
-            <a:endParaRPr lang="en-US" dirty="0"/>
-          </a:p>
-          <a:p>
-            <a:pPr lvl="1"/>
+            <a:endParaRPr lang="el-GR" b="1" dirty="0">
+              <a:latin typeface="Arial Black" panose="020B0A04020102020204" pitchFamily="34" charset="0"/>
+            </a:endParaRPr>
+          </a:p>
+          <a:p>
             <a:r>
               <a:rPr lang="el-GR" dirty="0"/>
               <a:t>Πλεονεκτήματα:</a:t>
@@ -9039,7 +9063,23 @@
             </a:pPr>
             <a:r>
               <a:rPr lang="el-GR" dirty="0"/>
-              <a:t>Εξισορροπεί δικαιοσύνη και απόδοση (</a:t>
+              <a:t>Εξισορροπεί δικαιοσύνη</a:t>
+            </a:r>
+            <a:r>
+              <a:rPr lang="en-US" dirty="0"/>
+              <a:t> </a:t>
+            </a:r>
+            <a:r>
+              <a:rPr lang="el-GR" dirty="0"/>
+              <a:t>(</a:t>
+            </a:r>
+            <a:r>
+              <a:rPr lang="en-US" dirty="0"/>
+              <a:t>fairness)</a:t>
+            </a:r>
+            <a:r>
+              <a:rPr lang="el-GR" dirty="0"/>
+              <a:t> και απόδοση (</a:t>
             </a:r>
             <a:r>
               <a:rPr lang="el-GR" dirty="0" err="1"/>
@@ -9079,31 +9119,9 @@
             </a:r>
           </a:p>
           <a:p>
-            <a:pPr>
-              <a:buFont typeface="Arial" panose="020B0604020202020204" pitchFamily="34" charset="0"/>
-              <a:buChar char="•"/>
-            </a:pPr>
             <a:r>
               <a:rPr lang="el-GR" dirty="0"/>
               <a:t>Μειονεκτήματα:</a:t>
-            </a:r>
-          </a:p>
-          <a:p>
-            <a:pPr marL="742950" lvl="1" indent="-285750">
-              <a:buFont typeface="Arial" panose="020B0604020202020204" pitchFamily="34" charset="0"/>
-              <a:buChar char="•"/>
-            </a:pPr>
-            <a:r>
-              <a:rPr lang="el-GR" dirty="0"/>
-              <a:t>Μικρές αποκλίσεις στη δικαιοσύνη (</a:t>
-            </a:r>
-            <a:r>
-              <a:rPr lang="el-GR" dirty="0" err="1"/>
-              <a:t>fairness</a:t>
-            </a:r>
-            <a:r>
-              <a:rPr lang="el-GR" dirty="0"/>
-              <a:t>), καθώς δίνει προτεραιότητα τους χρήστες με καλές συνθήκες καναλιού.</a:t>
             </a:r>
           </a:p>
           <a:p>
@@ -9376,7 +9394,7 @@
                 <a:latin typeface="Arial" panose="020B0604020202020204" pitchFamily="34" charset="0"/>
                 <a:cs typeface="Arial" panose="020B0604020202020204" pitchFamily="34" charset="0"/>
               </a:rPr>
-              <a:t>Σκοπός: Δοκιμή και αξιολόγηση δύο αλγορίθμων δρομολόγησης για δίκαιη κατανομή πόρων σε συνθήκες δικτύου.</a:t>
+              <a:t>Σκοπός: Δοκιμή και αξιολόγηση δύο αλγορίθμων δρομολόγησης για δίκαιη κατανομή πόρων σε διαφορετικές συνθήκες δικτύου.</a:t>
             </a:r>
           </a:p>
           <a:p>
@@ -9550,7 +9568,7 @@
                 <a:latin typeface="Arial" panose="020B0604020202020204" pitchFamily="34" charset="0"/>
                 <a:cs typeface="Arial" panose="020B0604020202020204" pitchFamily="34" charset="0"/>
               </a:rPr>
-              <a:t>Κάθε χρήστης λαμβάνει ίση κατανομή μέχρι να εξυπηρετηθεί πλήρως ή να εξαντληθούν οι πόροι.</a:t>
+              <a:t>Κάθε χρήστης λαμβάνει ίση προτεραιότητα στην κατανομή πόρων μέχρι να εξυπηρετηθεί πλήρως ή να εξαντληθούν οι πόροι.</a:t>
             </a:r>
           </a:p>
           <a:p>
@@ -9622,7 +9640,17 @@
                 <a:latin typeface="Arial" panose="020B0604020202020204" pitchFamily="34" charset="0"/>
                 <a:cs typeface="Arial" panose="020B0604020202020204" pitchFamily="34" charset="0"/>
               </a:rPr>
-              <a:t>Υπολογίζει δείκτη δικαιοσύνης για κάθε χρήστη βασισμένο στην ποιότητα καναλιού και τη ζήτηση.</a:t>
+              <a:t>Υπολογίζει την προτεραιότητα κατανομής πόρων σε χρήστες μέσω του δείκτη δικαιοσύνης κάθε χρήστη, βασισμένου στην ποιότητα καναλιού και τον μέσο ρυθμό μετάδοσης δεδομένων</a:t>
+            </a:r>
+            <a:r>
+              <a:rPr lang="en-US" dirty="0">
+                <a:solidFill>
+                  <a:srgbClr val="FFFFFF"/>
+                </a:solidFill>
+                <a:latin typeface="Arial" panose="020B0604020202020204" pitchFamily="34" charset="0"/>
+                <a:cs typeface="Arial" panose="020B0604020202020204" pitchFamily="34" charset="0"/>
+              </a:rPr>
+              <a:t>.</a:t>
             </a:r>
           </a:p>
           <a:p>
@@ -10987,8 +11015,8 @@
         </p:nvSpPr>
         <p:spPr>
           <a:xfrm>
-            <a:off x="2574472" y="5797481"/>
-            <a:ext cx="9173029" cy="861774"/>
+            <a:off x="1481328" y="5797481"/>
+            <a:ext cx="10266173" cy="830997"/>
           </a:xfrm>
           <a:prstGeom prst="rect">
             <a:avLst/>
@@ -11003,7 +11031,7 @@
           <a:p>
             <a:r>
               <a:rPr lang="el-GR" sz="1600" dirty="0"/>
-              <a:t>Υπολογίζει τη «δικαιοσύνη» κάθε χρήστη με βάση τη ζήτηση και την ποιότητα καναλιού.</a:t>
+              <a:t>Υπολογίζει τη «δικαιοσύνη» κάθε χρήστη με βάση τον μέσο ρυθμό μετάδοσης δεδομένων και την ποιότητα καναλιού.</a:t>
             </a:r>
           </a:p>
           <a:p>
@@ -11012,7 +11040,7 @@
           <a:p>
             <a:r>
               <a:rPr lang="el-GR" sz="1600" dirty="0"/>
-              <a:t>Ο χρήστης με τον υψηλότερο δείκτη δικαιοσύνης εξυπηρετείται πρώτος σε κάθε βήμα.</a:t>
+              <a:t>Ο χρήστης με τον υψηλότερο δείκτη δικαιοσύνης εξυπηρετείται πρώτος.</a:t>
             </a:r>
             <a:endParaRPr lang="en-US" sz="1600" dirty="0"/>
           </a:p>
@@ -11696,6 +11724,15 @@
               <a:t>0-</a:t>
             </a:r>
             <a:r>
+              <a:rPr lang="en-US" altLang="en-US" dirty="0">
+                <a:solidFill>
+                  <a:schemeClr val="tx1"/>
+                </a:solidFill>
+                <a:latin typeface="Arial" panose="020B0604020202020204" pitchFamily="34" charset="0"/>
+              </a:rPr>
+              <a:t>2</a:t>
+            </a:r>
+            <a:r>
               <a:rPr kumimoji="0" lang="en-US" altLang="en-US" b="0" i="0" u="none" strike="noStrike" cap="none" normalizeH="0" baseline="0" dirty="0">
                 <a:ln>
                   <a:noFill/>
@@ -11706,7 +11743,7 @@
                 <a:effectLst/>
                 <a:latin typeface="Arial" panose="020B0604020202020204" pitchFamily="34" charset="0"/>
               </a:rPr>
-              <a:t>30</a:t>
+              <a:t>0</a:t>
             </a:r>
             <a:r>
               <a:rPr kumimoji="0" lang="el-GR" altLang="en-US" b="0" i="0" u="none" strike="noStrike" cap="none" normalizeH="0" baseline="0" dirty="0">
@@ -11835,16 +11872,19 @@
               </a:rPr>
               <a:t>Mbps</a:t>
             </a:r>
-            <a:endParaRPr kumimoji="0" lang="el-GR" altLang="en-US" b="0" i="0" u="none" strike="noStrike" cap="none" normalizeH="0" baseline="0" dirty="0">
-              <a:ln>
-                <a:noFill/>
-              </a:ln>
-              <a:solidFill>
-                <a:schemeClr val="tx1"/>
-              </a:solidFill>
-              <a:effectLst/>
-              <a:latin typeface="Arial" panose="020B0604020202020204" pitchFamily="34" charset="0"/>
-            </a:endParaRPr>
+            <a:r>
+              <a:rPr kumimoji="0" lang="el-GR" altLang="en-US" b="0" i="0" u="none" strike="noStrike" cap="none" normalizeH="0" baseline="0" dirty="0">
+                <a:ln>
+                  <a:noFill/>
+                </a:ln>
+                <a:solidFill>
+                  <a:schemeClr val="tx1"/>
+                </a:solidFill>
+                <a:effectLst/>
+                <a:latin typeface="Arial" panose="020B0604020202020204" pitchFamily="34" charset="0"/>
+              </a:rPr>
+              <a:t> (αναλόγως σεναρίου)</a:t>
+            </a:r>
           </a:p>
           <a:p>
             <a:pPr marL="0" indent="0" eaLnBrk="0" fontAlgn="base" hangingPunct="0">
@@ -12474,22 +12514,30 @@
           <a:lstStyle/>
           <a:p>
             <a:r>
+              <a:rPr lang="el-GR" b="1" dirty="0" err="1">
+                <a:latin typeface="Arial Black" panose="020B0A04020102020204" pitchFamily="34" charset="0"/>
+              </a:rPr>
+              <a:t>Scenario</a:t>
+            </a:r>
+            <a:r>
+              <a:rPr lang="en-US" b="1" dirty="0">
+                <a:latin typeface="Arial Black" panose="020B0A04020102020204" pitchFamily="34" charset="0"/>
+              </a:rPr>
+              <a:t> 1</a:t>
+            </a:r>
+            <a:r>
               <a:rPr lang="el-GR" b="1" dirty="0">
                 <a:latin typeface="Arial Black" panose="020B0A04020102020204" pitchFamily="34" charset="0"/>
               </a:rPr>
-              <a:t>1. </a:t>
-            </a:r>
-            <a:r>
-              <a:rPr lang="el-GR" b="1" dirty="0" err="1">
-                <a:latin typeface="Arial Black" panose="020B0A04020102020204" pitchFamily="34" charset="0"/>
-              </a:rPr>
-              <a:t>Scenario</a:t>
-            </a:r>
-            <a:r>
-              <a:rPr lang="en-US" b="1" dirty="0">
-                <a:latin typeface="Arial Black" panose="020B0A04020102020204" pitchFamily="34" charset="0"/>
-              </a:rPr>
-              <a:t> 1</a:t>
+              <a:t>				</a:t>
+            </a:r>
+            <a:r>
+              <a:rPr lang="en-US" dirty="0" err="1"/>
+              <a:t>video_streaming</a:t>
+            </a:r>
+            <a:r>
+              <a:rPr lang="en-US" dirty="0"/>
+              <a:t>: (4, 10) Mbps</a:t>
             </a:r>
             <a:endParaRPr lang="el-GR" b="1" dirty="0">
               <a:latin typeface="Arial Black" panose="020B0A04020102020204" pitchFamily="34" charset="0"/>
@@ -12514,11 +12562,11 @@
             </a:r>
             <a:r>
               <a:rPr lang="en-US" dirty="0"/>
-              <a:t>3</a:t>
+              <a:t>20</a:t>
             </a:r>
             <a:r>
               <a:rPr lang="el-GR" dirty="0"/>
-              <a:t>00</a:t>
+              <a:t>0</a:t>
             </a:r>
             <a:r>
               <a:rPr lang="en-US" dirty="0"/>
@@ -12526,11 +12574,11 @@
             </a:r>
             <a:r>
               <a:rPr lang="en-US" dirty="0" err="1"/>
-              <a:t>video_streaming</a:t>
+              <a:t>web_browsing</a:t>
             </a:r>
             <a:r>
               <a:rPr lang="en-US" dirty="0"/>
-              <a:t>: (4, 10) Mbps</a:t>
+              <a:t>: (1, 2) Mbps</a:t>
             </a:r>
             <a:endParaRPr lang="el-GR" dirty="0"/>
           </a:p>
@@ -12553,19 +12601,16 @@
             </a:r>
             <a:r>
               <a:rPr lang="en-US" dirty="0"/>
-              <a:t>		</a:t>
+              <a:t>		 </a:t>
             </a:r>
             <a:r>
               <a:rPr lang="en-US" dirty="0" err="1"/>
-              <a:t>web_browsing</a:t>
+              <a:t>voice_call</a:t>
             </a:r>
             <a:r>
               <a:rPr lang="en-US" dirty="0"/>
-              <a:t>: (1, 2) Mbps</a:t>
-            </a:r>
-            <a:endParaRPr lang="el-GR" dirty="0"/>
-          </a:p>
-          <a:p>
+              <a:t>: (0.1, 0.5) Mbps </a:t>
+            </a:r>
             <a:r>
               <a:rPr lang="en-US" b="1" dirty="0"/>
               <a:t>			</a:t>
@@ -12573,14 +12618,6 @@
             <a:r>
               <a:rPr lang="en-US" dirty="0"/>
               <a:t>		</a:t>
-            </a:r>
-            <a:r>
-              <a:rPr lang="en-US" dirty="0" err="1"/>
-              <a:t>voice_call</a:t>
-            </a:r>
-            <a:r>
-              <a:rPr lang="en-US" dirty="0"/>
-              <a:t>: (0.1, 0.5) Mbps</a:t>
             </a:r>
             <a:endParaRPr lang="el-GR" dirty="0"/>
           </a:p>
@@ -12601,7 +12638,7 @@
         <p:spPr>
           <a:xfrm>
             <a:off x="549538" y="3128917"/>
-            <a:ext cx="8557886" cy="1200329"/>
+            <a:ext cx="8557886" cy="923330"/>
           </a:xfrm>
           <a:prstGeom prst="rect">
             <a:avLst/>
@@ -12615,22 +12652,30 @@
           <a:lstStyle/>
           <a:p>
             <a:r>
+              <a:rPr lang="el-GR" b="1" dirty="0" err="1">
+                <a:latin typeface="Arial Black" panose="020B0A04020102020204" pitchFamily="34" charset="0"/>
+              </a:rPr>
+              <a:t>Scenario</a:t>
+            </a:r>
+            <a:r>
+              <a:rPr lang="en-US" b="1" dirty="0">
+                <a:latin typeface="Arial Black" panose="020B0A04020102020204" pitchFamily="34" charset="0"/>
+              </a:rPr>
+              <a:t> 2</a:t>
+            </a:r>
+            <a:r>
               <a:rPr lang="el-GR" b="1" dirty="0">
                 <a:latin typeface="Arial Black" panose="020B0A04020102020204" pitchFamily="34" charset="0"/>
               </a:rPr>
-              <a:t>2. </a:t>
-            </a:r>
-            <a:r>
-              <a:rPr lang="el-GR" b="1" dirty="0" err="1">
-                <a:latin typeface="Arial Black" panose="020B0A04020102020204" pitchFamily="34" charset="0"/>
-              </a:rPr>
-              <a:t>Scenario</a:t>
-            </a:r>
-            <a:r>
-              <a:rPr lang="en-US" b="1" dirty="0">
-                <a:latin typeface="Arial Black" panose="020B0A04020102020204" pitchFamily="34" charset="0"/>
-              </a:rPr>
-              <a:t> 2</a:t>
+              <a:t>				</a:t>
+            </a:r>
+            <a:r>
+              <a:rPr lang="en-US" dirty="0" err="1"/>
+              <a:t>video_streaming</a:t>
+            </a:r>
+            <a:r>
+              <a:rPr lang="en-US" dirty="0"/>
+              <a:t>: (5, 12) Mbps</a:t>
             </a:r>
             <a:endParaRPr lang="el-GR" b="1" dirty="0">
               <a:latin typeface="Arial Black" panose="020B0A04020102020204" pitchFamily="34" charset="0"/>
@@ -12655,23 +12700,23 @@
             </a:r>
             <a:r>
               <a:rPr lang="en-US" dirty="0"/>
-              <a:t>2</a:t>
+              <a:t>15</a:t>
             </a:r>
             <a:r>
               <a:rPr lang="el-GR" dirty="0"/>
-              <a:t>00</a:t>
+              <a:t>0</a:t>
             </a:r>
             <a:r>
               <a:rPr lang="en-US" dirty="0"/>
-              <a:t>			 </a:t>
+              <a:t>			</a:t>
             </a:r>
             <a:r>
               <a:rPr lang="en-US" dirty="0" err="1"/>
-              <a:t>video_streaming</a:t>
+              <a:t>web_browsing</a:t>
             </a:r>
             <a:r>
               <a:rPr lang="en-US" dirty="0"/>
-              <a:t>: (5, 12) Mbps</a:t>
+              <a:t>: (1, 4) Mbps</a:t>
             </a:r>
             <a:endParaRPr lang="el-GR" dirty="0"/>
           </a:p>
@@ -12702,23 +12747,11 @@
             </a:r>
             <a:r>
               <a:rPr lang="en-US" dirty="0"/>
-              <a:t>		 </a:t>
-            </a:r>
-            <a:r>
-              <a:rPr lang="en-US" dirty="0" err="1"/>
-              <a:t>web_browsing</a:t>
-            </a:r>
-            <a:r>
-              <a:rPr lang="en-US" dirty="0"/>
-              <a:t>: (1, 4) Mbps</a:t>
-            </a:r>
-            <a:endParaRPr lang="el-GR" dirty="0"/>
-          </a:p>
-          <a:p>
-            <a:pPr lvl="2"/>
-            <a:r>
-              <a:rPr lang="en-US" dirty="0"/>
-              <a:t>				 </a:t>
+              <a:t>	 </a:t>
+            </a:r>
+            <a:r>
+              <a:rPr lang="el-GR" dirty="0"/>
+              <a:t>	</a:t>
             </a:r>
             <a:r>
               <a:rPr lang="en-US" dirty="0" err="1"/>
@@ -12726,7 +12759,7 @@
             </a:r>
             <a:r>
               <a:rPr lang="en-US" dirty="0"/>
-              <a:t>: (0.3, 1) Mbps</a:t>
+              <a:t>: (0.3, 1) Mbps 	 	</a:t>
             </a:r>
             <a:endParaRPr lang="el-GR" dirty="0"/>
           </a:p>
@@ -12761,12 +12794,6 @@
           <a:lstStyle/>
           <a:p>
             <a:r>
-              <a:rPr lang="el-GR" b="1" dirty="0">
-                <a:latin typeface="Arial Black" panose="020B0A04020102020204" pitchFamily="34" charset="0"/>
-              </a:rPr>
-              <a:t>3. </a:t>
-            </a:r>
-            <a:r>
               <a:rPr lang="el-GR" b="1" dirty="0" err="1">
                 <a:latin typeface="Arial Black" panose="020B0A04020102020204" pitchFamily="34" charset="0"/>
               </a:rPr>
@@ -12777,6 +12804,22 @@
                 <a:latin typeface="Arial Black" panose="020B0A04020102020204" pitchFamily="34" charset="0"/>
               </a:rPr>
               <a:t> 3</a:t>
+            </a:r>
+            <a:r>
+              <a:rPr lang="en-US" dirty="0"/>
+              <a:t> </a:t>
+            </a:r>
+            <a:r>
+              <a:rPr lang="el-GR" dirty="0"/>
+              <a:t>				</a:t>
+            </a:r>
+            <a:r>
+              <a:rPr lang="en-US" dirty="0" err="1"/>
+              <a:t>video_streaming</a:t>
+            </a:r>
+            <a:r>
+              <a:rPr lang="en-US" dirty="0"/>
+              <a:t>: (3, 9) Mbps</a:t>
             </a:r>
             <a:endParaRPr lang="el-GR" b="1" dirty="0">
               <a:latin typeface="Arial Black" panose="020B0A04020102020204" pitchFamily="34" charset="0"/>
@@ -12809,15 +12852,15 @@
             </a:r>
             <a:r>
               <a:rPr lang="en-US" dirty="0"/>
-              <a:t>			 </a:t>
+              <a:t>			</a:t>
             </a:r>
             <a:r>
               <a:rPr lang="en-US" dirty="0" err="1"/>
-              <a:t>video_streaming</a:t>
+              <a:t>web_browsing</a:t>
             </a:r>
             <a:r>
               <a:rPr lang="en-US" dirty="0"/>
-              <a:t>: (3, 9) Mbps</a:t>
+              <a:t>: (0.5, 2) Mbps</a:t>
             </a:r>
             <a:endParaRPr lang="el-GR" dirty="0"/>
           </a:p>
@@ -12848,34 +12891,27 @@
             </a:r>
             <a:r>
               <a:rPr lang="en-US" dirty="0"/>
-              <a:t>		 </a:t>
+              <a:t>	</a:t>
+            </a:r>
+            <a:r>
+              <a:rPr lang="el-GR" dirty="0"/>
+              <a:t>	</a:t>
             </a:r>
             <a:r>
               <a:rPr lang="en-US" dirty="0" err="1"/>
-              <a:t>web_browsing</a:t>
+              <a:t>voice_call</a:t>
             </a:r>
             <a:r>
               <a:rPr lang="en-US" dirty="0"/>
-              <a:t>: (0.5, 2) Mbps</a:t>
-            </a:r>
-            <a:endParaRPr lang="el-GR" dirty="0"/>
-          </a:p>
-          <a:p>
+              <a:t>: (0.1, 0.9) Mbps 	 </a:t>
+            </a:r>
             <a:r>
               <a:rPr lang="en-US" b="1" dirty="0"/>
               <a:t>			</a:t>
             </a:r>
             <a:r>
               <a:rPr lang="en-US" dirty="0"/>
-              <a:t>		 </a:t>
-            </a:r>
-            <a:r>
-              <a:rPr lang="en-US" dirty="0" err="1"/>
-              <a:t>voice_call</a:t>
-            </a:r>
-            <a:r>
-              <a:rPr lang="en-US" dirty="0"/>
-              <a:t>: (0.1, 0.9) Mbps</a:t>
+              <a:t>		</a:t>
             </a:r>
             <a:endParaRPr lang="el-GR" dirty="0"/>
           </a:p>
